--- a/PHASE 3/PhaseIII.pptx
+++ b/PHASE 3/PhaseIII.pptx
@@ -2976,7 +2976,15 @@
           <a:bodyPr/>
           <a:lstStyle/>
           <a:p>
-            <a:endParaRPr lang="en-US"/>
+            <a:r>
+              <a:rPr lang="en-US" altLang="en-US">
+                <a:noFill/>
+              </a:rPr>
+              <a:t>pbmn diagram phase 2</a:t>
+            </a:r>
+            <a:endParaRPr lang="en-US" altLang="en-US">
+              <a:noFill/>
+            </a:endParaRPr>
           </a:p>
         </p:txBody>
       </p:sp>
